--- a/Презентация без названия.pptx
+++ b/Презентация без названия.pptx
@@ -5,7 +5,7 @@
     <p:sldMasterId id="2147483659" r:id="rId1"/>
   </p:sldMasterIdLst>
   <p:notesMasterIdLst>
-    <p:notesMasterId r:id="rId10"/>
+    <p:notesMasterId r:id="rId11"/>
   </p:notesMasterIdLst>
   <p:sldIdLst>
     <p:sldId id="256" r:id="rId2"/>
@@ -16,23 +16,24 @@
     <p:sldId id="259" r:id="rId7"/>
     <p:sldId id="260" r:id="rId8"/>
     <p:sldId id="261" r:id="rId9"/>
+    <p:sldId id="264" r:id="rId10"/>
   </p:sldIdLst>
   <p:sldSz cx="9144000" cy="5143500" type="screen16x9"/>
   <p:notesSz cx="6858000" cy="9144000"/>
   <p:embeddedFontLst>
     <p:embeddedFont>
       <p:font typeface="Lato" panose="020B0604020202020204" charset="0"/>
-      <p:regular r:id="rId11"/>
-      <p:bold r:id="rId12"/>
-      <p:italic r:id="rId13"/>
-      <p:boldItalic r:id="rId14"/>
+      <p:regular r:id="rId12"/>
+      <p:bold r:id="rId13"/>
+      <p:italic r:id="rId14"/>
+      <p:boldItalic r:id="rId15"/>
     </p:embeddedFont>
     <p:embeddedFont>
       <p:font typeface="Montserrat" panose="020B0604020202020204" charset="-52"/>
-      <p:regular r:id="rId15"/>
-      <p:bold r:id="rId16"/>
-      <p:italic r:id="rId17"/>
-      <p:boldItalic r:id="rId18"/>
+      <p:regular r:id="rId16"/>
+      <p:bold r:id="rId17"/>
+      <p:italic r:id="rId18"/>
+      <p:boldItalic r:id="rId19"/>
     </p:embeddedFont>
   </p:embeddedFontLst>
   <p:defaultTextStyle>
@@ -10651,13 +10652,11 @@
             </a:avLst>
           </a:prstGeom>
           <a:solidFill>
-            <a:schemeClr val="accent1">
-              <a:lumMod val="75000"/>
-            </a:schemeClr>
+            <a:srgbClr val="FFFF00"/>
           </a:solidFill>
           <a:ln w="9525" cap="flat" cmpd="sng">
             <a:solidFill>
-              <a:schemeClr val="accent1"/>
+              <a:schemeClr val="bg1"/>
             </a:solidFill>
             <a:prstDash val="solid"/>
             <a:round/>
@@ -10705,13 +10704,11 @@
             </a:avLst>
           </a:prstGeom>
           <a:solidFill>
-            <a:schemeClr val="accent1">
-              <a:lumMod val="75000"/>
-            </a:schemeClr>
+            <a:srgbClr val="FFFF00"/>
           </a:solidFill>
           <a:ln w="9525" cap="flat" cmpd="sng">
             <a:solidFill>
-              <a:schemeClr val="accent1"/>
+              <a:schemeClr val="bg1"/>
             </a:solidFill>
             <a:prstDash val="solid"/>
             <a:round/>
@@ -10892,13 +10889,11 @@
             </a:avLst>
           </a:prstGeom>
           <a:solidFill>
-            <a:schemeClr val="accent1">
-              <a:lumMod val="75000"/>
-            </a:schemeClr>
+            <a:schemeClr val="tx2"/>
           </a:solidFill>
           <a:ln w="9525" cap="flat" cmpd="sng">
             <a:solidFill>
-              <a:schemeClr val="accent1"/>
+              <a:schemeClr val="bg1"/>
             </a:solidFill>
             <a:prstDash val="solid"/>
             <a:round/>
@@ -10912,23 +10907,12 @@
           </a:bodyPr>
           <a:lstStyle/>
           <a:p>
-            <a:pPr marL="0" lvl="0" indent="0" algn="l" rtl="0">
-              <a:spcBef>
-                <a:spcPts val="0"/>
-              </a:spcBef>
-              <a:spcAft>
-                <a:spcPts val="0"/>
-              </a:spcAft>
-              <a:buNone/>
-            </a:pPr>
+            <a:pPr lvl="0"/>
             <a:r>
-              <a:rPr lang="ru" sz="1100" dirty="0">
+              <a:rPr lang="en-US" sz="1100" b="1" dirty="0" err="1">
                 <a:solidFill>
-                  <a:srgbClr val="FFC66D"/>
+                  <a:schemeClr val="tx1"/>
                 </a:solidFill>
-                <a:highlight>
-                  <a:srgbClr val="2B2B2B"/>
-                </a:highlight>
                 <a:latin typeface="Courier New"/>
                 <a:ea typeface="Courier New"/>
                 <a:cs typeface="Courier New"/>
@@ -10936,13 +10920,10 @@
               </a:rPr>
               <a:t>beautifull_write</a:t>
             </a:r>
-            <a:endParaRPr sz="1100" dirty="0">
+            <a:endParaRPr lang="en-US" sz="1100" b="1" dirty="0">
               <a:solidFill>
-                <a:srgbClr val="FFC66D"/>
+                <a:schemeClr val="tx1"/>
               </a:solidFill>
-              <a:highlight>
-                <a:srgbClr val="2B2B2B"/>
-              </a:highlight>
               <a:latin typeface="Courier New"/>
               <a:ea typeface="Courier New"/>
               <a:cs typeface="Courier New"/>
@@ -10986,28 +10967,14 @@
           </a:bodyPr>
           <a:lstStyle/>
           <a:p>
-            <a:pPr marL="0" lvl="0" indent="0" algn="l" rtl="0">
-              <a:spcBef>
-                <a:spcPts val="0"/>
-              </a:spcBef>
-              <a:spcAft>
-                <a:spcPts val="0"/>
-              </a:spcAft>
-              <a:buClr>
-                <a:srgbClr val="000000"/>
-              </a:buClr>
+            <a:pPr lvl="0">
               <a:buSzPts val="1100"/>
-              <a:buFont typeface="Arial"/>
-              <a:buNone/>
             </a:pPr>
             <a:r>
-              <a:rPr lang="ru" sz="1100">
+              <a:rPr lang="en-US" sz="1100" b="1" dirty="0" err="1">
                 <a:solidFill>
-                  <a:srgbClr val="FFC66D"/>
+                  <a:schemeClr val="tx1"/>
                 </a:solidFill>
-                <a:highlight>
-                  <a:srgbClr val="2B2B2B"/>
-                </a:highlight>
                 <a:latin typeface="Courier New"/>
                 <a:ea typeface="Courier New"/>
                 <a:cs typeface="Courier New"/>
@@ -11015,13 +10982,10 @@
               </a:rPr>
               <a:t>load_image</a:t>
             </a:r>
-            <a:endParaRPr sz="1100">
+            <a:endParaRPr lang="en-US" sz="1100" b="1" dirty="0">
               <a:solidFill>
-                <a:srgbClr val="FFC66D"/>
+                <a:schemeClr val="tx1"/>
               </a:solidFill>
-              <a:highlight>
-                <a:srgbClr val="2B2B2B"/>
-              </a:highlight>
               <a:latin typeface="Courier New"/>
               <a:ea typeface="Courier New"/>
               <a:cs typeface="Courier New"/>
@@ -11079,6 +11043,14 @@
           <a:prstGeom prst="roundRect">
             <a:avLst/>
           </a:prstGeom>
+          <a:solidFill>
+            <a:schemeClr val="tx2"/>
+          </a:solidFill>
+          <a:ln>
+            <a:solidFill>
+              <a:schemeClr val="bg1"/>
+            </a:solidFill>
+          </a:ln>
         </p:spPr>
         <p:style>
           <a:lnRef idx="2">
@@ -11102,7 +11074,11 @@
           <a:p>
             <a:pPr algn="ctr"/>
             <a:r>
-              <a:rPr lang="en-US" dirty="0"/>
+              <a:rPr lang="en-US" dirty="0">
+                <a:solidFill>
+                  <a:schemeClr val="tx1"/>
+                </a:solidFill>
+              </a:rPr>
               <a:t>Exit</a:t>
             </a:r>
           </a:p>
@@ -11128,6 +11104,14 @@
           <a:prstGeom prst="roundRect">
             <a:avLst/>
           </a:prstGeom>
+          <a:solidFill>
+            <a:schemeClr val="tx2"/>
+          </a:solidFill>
+          <a:ln>
+            <a:solidFill>
+              <a:schemeClr val="bg1"/>
+            </a:solidFill>
+          </a:ln>
         </p:spPr>
         <p:style>
           <a:lnRef idx="2">
@@ -11151,10 +11135,18 @@
           <a:p>
             <a:pPr algn="ctr"/>
             <a:r>
-              <a:rPr lang="en-US" dirty="0"/>
+              <a:rPr lang="en-US" dirty="0">
+                <a:solidFill>
+                  <a:schemeClr val="tx1"/>
+                </a:solidFill>
+              </a:rPr>
               <a:t>Settings</a:t>
             </a:r>
-            <a:endParaRPr lang="ru-RU" dirty="0"/>
+            <a:endParaRPr lang="ru-RU" dirty="0">
+              <a:solidFill>
+                <a:schemeClr val="tx1"/>
+              </a:solidFill>
+            </a:endParaRPr>
           </a:p>
         </p:txBody>
       </p:sp>
@@ -11599,8 +11591,8 @@
         </p:nvSpPr>
         <p:spPr>
           <a:xfrm>
-            <a:off x="1" y="-54540"/>
-            <a:ext cx="5873558" cy="923330"/>
+            <a:off x="77973" y="-10944"/>
+            <a:ext cx="5873558" cy="1077218"/>
           </a:xfrm>
           <a:prstGeom prst="rect">
             <a:avLst/>
@@ -11613,40 +11605,133 @@
           </a:bodyPr>
           <a:lstStyle/>
           <a:p>
-            <a:pPr algn="ctr"/>
             <a:r>
-              <a:rPr lang="ru-RU" sz="5400" dirty="0">
-                <a:ln w="0"/>
+              <a:rPr lang="ru-RU" sz="3200" dirty="0">
                 <a:solidFill>
-                  <a:schemeClr val="accent1"/>
+                  <a:schemeClr val="bg1"/>
                 </a:solidFill>
-                <a:effectLst>
-                  <a:outerShdw blurRad="38100" dist="25400" dir="5400000" algn="ctr" rotWithShape="0">
-                    <a:srgbClr val="6E747A">
-                      <a:alpha val="43000"/>
-                    </a:srgbClr>
-                  </a:outerShdw>
-                </a:effectLst>
               </a:rPr>
-              <a:t>Структура кода.</a:t>
+              <a:t>Структурная смеха программы</a:t>
             </a:r>
-            <a:endParaRPr lang="ru-RU" sz="5400" b="0" cap="none" spc="0" dirty="0">
-              <a:ln w="0"/>
-              <a:solidFill>
-                <a:schemeClr val="accent1"/>
-              </a:solidFill>
-              <a:effectLst>
-                <a:outerShdw blurRad="38100" dist="25400" dir="5400000" algn="ctr" rotWithShape="0">
-                  <a:srgbClr val="6E747A">
-                    <a:alpha val="43000"/>
-                  </a:srgbClr>
-                </a:outerShdw>
-              </a:effectLst>
-            </a:endParaRPr>
           </a:p>
         </p:txBody>
       </p:sp>
     </p:spTree>
+  </p:cSld>
+  <p:clrMapOvr>
+    <a:masterClrMapping/>
+  </p:clrMapOvr>
+</p:sld>
+</file>
+
+<file path=ppt/slides/slide9.xml><?xml version="1.0" encoding="utf-8"?>
+<p:sld xmlns:a="http://schemas.openxmlformats.org/drawingml/2006/main" xmlns:r="http://schemas.openxmlformats.org/officeDocument/2006/relationships" xmlns:p="http://schemas.openxmlformats.org/presentationml/2006/main">
+  <p:cSld>
+    <p:spTree>
+      <p:nvGrpSpPr>
+        <p:cNvPr id="1" name=""/>
+        <p:cNvGrpSpPr/>
+        <p:nvPr/>
+      </p:nvGrpSpPr>
+      <p:grpSpPr>
+        <a:xfrm>
+          <a:off x="0" y="0"/>
+          <a:ext cx="0" cy="0"/>
+          <a:chOff x="0" y="0"/>
+          <a:chExt cx="0" cy="0"/>
+        </a:xfrm>
+      </p:grpSpPr>
+      <p:pic>
+        <p:nvPicPr>
+          <p:cNvPr id="2" name="Рисунок 1" descr="C:\Users\Дмитрий\Downloads\sbywoWpyXU8.jpg">
+            <a:extLst>
+              <a:ext uri="{FF2B5EF4-FFF2-40B4-BE49-F238E27FC236}">
+                <a16:creationId xmlns:a16="http://schemas.microsoft.com/office/drawing/2014/main" id="{41033F3F-C42C-4D4A-8334-4ADF028E3E1D}"/>
+              </a:ext>
+            </a:extLst>
+          </p:cNvPr>
+          <p:cNvPicPr/>
+          <p:nvPr/>
+        </p:nvPicPr>
+        <p:blipFill rotWithShape="1">
+          <a:blip r:embed="rId2">
+            <a:extLst>
+              <a:ext uri="{28A0092B-C50C-407E-A947-70E740481C1C}">
+                <a14:useLocalDpi xmlns:a14="http://schemas.microsoft.com/office/drawing/2010/main" val="0"/>
+              </a:ext>
+            </a:extLst>
+          </a:blip>
+          <a:srcRect b="15004"/>
+          <a:stretch/>
+        </p:blipFill>
+        <p:spPr bwMode="auto">
+          <a:xfrm>
+            <a:off x="433409" y="573831"/>
+            <a:ext cx="8277181" cy="3955639"/>
+          </a:xfrm>
+          <a:prstGeom prst="roundRect">
+            <a:avLst>
+              <a:gd name="adj" fmla="val 8594"/>
+            </a:avLst>
+          </a:prstGeom>
+          <a:solidFill>
+            <a:srgbClr val="FFFFFF">
+              <a:shade val="85000"/>
+            </a:srgbClr>
+          </a:solidFill>
+          <a:ln>
+            <a:noFill/>
+          </a:ln>
+          <a:effectLst>
+            <a:reflection blurRad="12700" stA="38000" endPos="28000" dist="5000" dir="5400000" sy="-100000" algn="bl" rotWithShape="0"/>
+          </a:effectLst>
+        </p:spPr>
+      </p:pic>
+      <p:sp>
+        <p:nvSpPr>
+          <p:cNvPr id="3" name="Прямоугольник 2">
+            <a:extLst>
+              <a:ext uri="{FF2B5EF4-FFF2-40B4-BE49-F238E27FC236}">
+                <a16:creationId xmlns:a16="http://schemas.microsoft.com/office/drawing/2014/main" id="{1142105F-40F2-4FBA-917E-BBCA52644787}"/>
+              </a:ext>
+            </a:extLst>
+          </p:cNvPr>
+          <p:cNvSpPr/>
+          <p:nvPr/>
+        </p:nvSpPr>
+        <p:spPr>
+          <a:xfrm>
+            <a:off x="77972" y="-10944"/>
+            <a:ext cx="9066027" cy="584775"/>
+          </a:xfrm>
+          <a:prstGeom prst="rect">
+            <a:avLst/>
+          </a:prstGeom>
+          <a:noFill/>
+        </p:spPr>
+        <p:txBody>
+          <a:bodyPr wrap="square" lIns="91440" tIns="45720" rIns="91440" bIns="45720">
+            <a:spAutoFit/>
+          </a:bodyPr>
+          <a:lstStyle/>
+          <a:p>
+            <a:r>
+              <a:rPr lang="ru-RU" sz="3200" dirty="0">
+                <a:solidFill>
+                  <a:schemeClr val="bg1"/>
+                </a:solidFill>
+              </a:rPr>
+              <a:t>Дерево Сюжета (сокращенное)</a:t>
+            </a:r>
+          </a:p>
+        </p:txBody>
+      </p:sp>
+    </p:spTree>
+    <p:extLst>
+      <p:ext uri="{BB962C8B-B14F-4D97-AF65-F5344CB8AC3E}">
+        <p14:creationId xmlns:p14="http://schemas.microsoft.com/office/powerpoint/2010/main" val="3401781194"/>
+      </p:ext>
+    </p:extLst>
   </p:cSld>
   <p:clrMapOvr>
     <a:masterClrMapping/>
